--- a/[SENAI_1T2S2019] SPRINT 3 - Prog.pptx
+++ b/[SENAI_1T2S2019] SPRINT 3 - Prog.pptx
@@ -357,6 +357,30 @@
 
 <file path=ppt/changesInfos/changesInfo1.xml><?xml version="1.0" encoding="utf-8"?>
 <pc:chgInfo xmlns:a="http://schemas.openxmlformats.org/drawingml/2006/main" xmlns:r="http://schemas.openxmlformats.org/officeDocument/2006/relationships" xmlns:ac="http://schemas.microsoft.com/office/drawing/2013/main/command" xmlns:pc="http://schemas.microsoft.com/office/powerpoint/2013/main/command">
+  <pc:docChgLst>
+    <pc:chgData name="Alexandre Fukaya" userId="a6a9a943-df61-4531-8174-9782d2adadb5" providerId="ADAL" clId="{3079F4FA-F2F6-4FB5-BC8C-29B80E242289}"/>
+    <pc:docChg chg="modSld">
+      <pc:chgData name="Alexandre Fukaya" userId="a6a9a943-df61-4531-8174-9782d2adadb5" providerId="ADAL" clId="{3079F4FA-F2F6-4FB5-BC8C-29B80E242289}" dt="2019-09-20T11:53:37.670" v="9" actId="20577"/>
+      <pc:docMkLst>
+        <pc:docMk/>
+      </pc:docMkLst>
+      <pc:sldChg chg="modSp">
+        <pc:chgData name="Alexandre Fukaya" userId="a6a9a943-df61-4531-8174-9782d2adadb5" providerId="ADAL" clId="{3079F4FA-F2F6-4FB5-BC8C-29B80E242289}" dt="2019-09-20T11:53:37.670" v="9" actId="20577"/>
+        <pc:sldMkLst>
+          <pc:docMk/>
+          <pc:sldMk cId="2980163127" sldId="340"/>
+        </pc:sldMkLst>
+        <pc:spChg chg="mod">
+          <ac:chgData name="Alexandre Fukaya" userId="a6a9a943-df61-4531-8174-9782d2adadb5" providerId="ADAL" clId="{3079F4FA-F2F6-4FB5-BC8C-29B80E242289}" dt="2019-09-20T11:53:37.670" v="9" actId="20577"/>
+          <ac:spMkLst>
+            <pc:docMk/>
+            <pc:sldMk cId="2980163127" sldId="340"/>
+            <ac:spMk id="6" creationId="{6AEB36BE-3DB4-4FB4-B9DC-3BC3E8C297D6}"/>
+          </ac:spMkLst>
+        </pc:spChg>
+      </pc:sldChg>
+    </pc:docChg>
+  </pc:docChgLst>
   <pc:docChgLst>
     <pc:chgData name="Alexandre Fukaya" userId="a6a9a943-df61-4531-8174-9782d2adadb5" providerId="ADAL" clId="{F8E44D5E-B53F-42B0-A31C-E58CB8950EA3}"/>
     <pc:docChg chg="delSld">
@@ -20630,7 +20654,7 @@
                 </a:solidFill>
                 <a:latin typeface="Consolas" panose="020B0609020204030204" pitchFamily="49" charset="0"/>
               </a:rPr>
-              <a:t>cont,cond,iter</a:t>
+              <a:t>cont;cond;iter</a:t>
             </a:r>
             <a:r>
               <a:rPr lang="pt-BR" sz="1800" dirty="0">
@@ -20734,7 +20758,43 @@
                 </a:solidFill>
                 <a:latin typeface="Consolas" panose="020B0609020204030204" pitchFamily="49" charset="0"/>
               </a:rPr>
-              <a:t> i=0, i &lt; 10, i++</a:t>
+              <a:t> i</a:t>
+            </a:r>
+            <a:r>
+              <a:rPr lang="pt-BR" sz="1800">
+                <a:solidFill>
+                  <a:srgbClr val="9CDCFE"/>
+                </a:solidFill>
+                <a:latin typeface="Consolas" panose="020B0609020204030204" pitchFamily="49" charset="0"/>
+              </a:rPr>
+              <a:t>=0; </a:t>
+            </a:r>
+            <a:r>
+              <a:rPr lang="pt-BR" sz="1800" dirty="0">
+                <a:solidFill>
+                  <a:srgbClr val="9CDCFE"/>
+                </a:solidFill>
+                <a:latin typeface="Consolas" panose="020B0609020204030204" pitchFamily="49" charset="0"/>
+              </a:rPr>
+              <a:t>i </a:t>
+            </a:r>
+            <a:r>
+              <a:rPr lang="pt-BR" sz="1800">
+                <a:solidFill>
+                  <a:srgbClr val="9CDCFE"/>
+                </a:solidFill>
+                <a:latin typeface="Consolas" panose="020B0609020204030204" pitchFamily="49" charset="0"/>
+              </a:rPr>
+              <a:t>&lt; 10; </a:t>
+            </a:r>
+            <a:r>
+              <a:rPr lang="pt-BR" sz="1800" dirty="0">
+                <a:solidFill>
+                  <a:srgbClr val="9CDCFE"/>
+                </a:solidFill>
+                <a:latin typeface="Consolas" panose="020B0609020204030204" pitchFamily="49" charset="0"/>
+              </a:rPr>
+              <a:t>i++</a:t>
             </a:r>
             <a:r>
               <a:rPr lang="pt-BR" sz="1800" dirty="0">
@@ -28432,12 +28492,21 @@
 </file>
 
 <file path=customXml/item1.xml><?xml version="1.0" encoding="utf-8"?>
+<?mso-contentType ?>
+<FormTemplates xmlns="http://schemas.microsoft.com/sharepoint/v3/contenttype/forms">
+  <Display>DocumentLibraryForm</Display>
+  <Edit>DocumentLibraryForm</Edit>
+  <New>DocumentLibraryForm</New>
+</FormTemplates>
+</file>
+
+<file path=customXml/item2.xml><?xml version="1.0" encoding="utf-8"?>
 <p:properties xmlns:p="http://schemas.microsoft.com/office/2006/metadata/properties" xmlns:xsi="http://www.w3.org/2001/XMLSchema-instance" xmlns:pc="http://schemas.microsoft.com/office/infopath/2007/PartnerControls">
   <documentManagement/>
 </p:properties>
 </file>
 
-<file path=customXml/item2.xml><?xml version="1.0" encoding="utf-8"?>
+<file path=customXml/item3.xml><?xml version="1.0" encoding="utf-8"?>
 <ct:contentTypeSchema xmlns:ct="http://schemas.microsoft.com/office/2006/metadata/contentType" xmlns:ma="http://schemas.microsoft.com/office/2006/metadata/properties/metaAttributes" ct:_="" ma:_="" ma:contentTypeName="Documento" ma:contentTypeID="0x0101001C0BDCB75C490F449996D271113E7085" ma:contentTypeVersion="9" ma:contentTypeDescription="Crie um novo documento." ma:contentTypeScope="" ma:versionID="f6c70adb2b0a037f611485c71da12b27">
   <xsd:schema xmlns:xsd="http://www.w3.org/2001/XMLSchema" xmlns:xs="http://www.w3.org/2001/XMLSchema" xmlns:p="http://schemas.microsoft.com/office/2006/metadata/properties" xmlns:ns2="56135199-fddc-46f9-8522-4d2f2df906d6" xmlns:ns3="616ddcb6-37a4-4b68-9e62-eadd2126515b" targetNamespace="http://schemas.microsoft.com/office/2006/metadata/properties" ma:root="true" ma:fieldsID="bf45a61f76f043a6cec32f5993157112" ns2:_="" ns3:_="">
     <xsd:import namespace="56135199-fddc-46f9-8522-4d2f2df906d6"/>
@@ -28634,33 +28703,32 @@
 </ct:contentTypeSchema>
 </file>
 
-<file path=customXml/item3.xml><?xml version="1.0" encoding="utf-8"?>
-<?mso-contentType ?>
-<FormTemplates xmlns="http://schemas.microsoft.com/sharepoint/v3/contenttype/forms">
-  <Display>DocumentLibraryForm</Display>
-  <Edit>DocumentLibraryForm</Edit>
-  <New>DocumentLibraryForm</New>
-</FormTemplates>
-</file>
-
 <file path=customXml/itemProps1.xml><?xml version="1.0" encoding="utf-8"?>
-<ds:datastoreItem xmlns:ds="http://schemas.openxmlformats.org/officeDocument/2006/customXml" ds:itemID="{EAA466B8-4C6A-4AC4-AA8F-A9C55110D931}">
+<ds:datastoreItem xmlns:ds="http://schemas.openxmlformats.org/officeDocument/2006/customXml" ds:itemID="{6A905CCF-AD0F-45A0-846E-2331FD7FB447}">
   <ds:schemaRefs>
-    <ds:schemaRef ds:uri="http://purl.org/dc/elements/1.1/"/>
-    <ds:schemaRef ds:uri="http://schemas.microsoft.com/office/2006/documentManagement/types"/>
-    <ds:schemaRef ds:uri="http://purl.org/dc/dcmitype/"/>
-    <ds:schemaRef ds:uri="http://schemas.microsoft.com/office/2006/metadata/properties"/>
-    <ds:schemaRef ds:uri="56135199-fddc-46f9-8522-4d2f2df906d6"/>
-    <ds:schemaRef ds:uri="http://schemas.microsoft.com/office/infopath/2007/PartnerControls"/>
-    <ds:schemaRef ds:uri="http://www.w3.org/XML/1998/namespace"/>
-    <ds:schemaRef ds:uri="http://schemas.openxmlformats.org/package/2006/metadata/core-properties"/>
-    <ds:schemaRef ds:uri="616ddcb6-37a4-4b68-9e62-eadd2126515b"/>
-    <ds:schemaRef ds:uri="http://purl.org/dc/terms/"/>
+    <ds:schemaRef ds:uri="http://schemas.microsoft.com/sharepoint/v3/contenttype/forms"/>
   </ds:schemaRefs>
 </ds:datastoreItem>
 </file>
 
 <file path=customXml/itemProps2.xml><?xml version="1.0" encoding="utf-8"?>
+<ds:datastoreItem xmlns:ds="http://schemas.openxmlformats.org/officeDocument/2006/customXml" ds:itemID="{EAA466B8-4C6A-4AC4-AA8F-A9C55110D931}">
+  <ds:schemaRefs>
+    <ds:schemaRef ds:uri="http://purl.org/dc/terms/"/>
+    <ds:schemaRef ds:uri="http://schemas.microsoft.com/office/2006/documentManagement/types"/>
+    <ds:schemaRef ds:uri="http://purl.org/dc/elements/1.1/"/>
+    <ds:schemaRef ds:uri="http://schemas.openxmlformats.org/package/2006/metadata/core-properties"/>
+    <ds:schemaRef ds:uri="http://schemas.microsoft.com/office/infopath/2007/PartnerControls"/>
+    <ds:schemaRef ds:uri="http://purl.org/dc/dcmitype/"/>
+    <ds:schemaRef ds:uri="616ddcb6-37a4-4b68-9e62-eadd2126515b"/>
+    <ds:schemaRef ds:uri="56135199-fddc-46f9-8522-4d2f2df906d6"/>
+    <ds:schemaRef ds:uri="http://schemas.microsoft.com/office/2006/metadata/properties"/>
+    <ds:schemaRef ds:uri="http://www.w3.org/XML/1998/namespace"/>
+  </ds:schemaRefs>
+</ds:datastoreItem>
+</file>
+
+<file path=customXml/itemProps3.xml><?xml version="1.0" encoding="utf-8"?>
 <ds:datastoreItem xmlns:ds="http://schemas.openxmlformats.org/officeDocument/2006/customXml" ds:itemID="{CBCF103B-E1C7-4CCE-BF0C-2E417FE46307}">
   <ds:schemaRefs>
     <ds:schemaRef ds:uri="http://schemas.microsoft.com/office/2006/metadata/contentType"/>
@@ -28677,12 +28745,4 @@
     <ds:schemaRef ds:uri="http://schemas.microsoft.com/internal/obd"/>
   </ds:schemaRefs>
 </ds:datastoreItem>
-</file>
-
-<file path=customXml/itemProps3.xml><?xml version="1.0" encoding="utf-8"?>
-<ds:datastoreItem xmlns:ds="http://schemas.openxmlformats.org/officeDocument/2006/customXml" ds:itemID="{6A905CCF-AD0F-45A0-846E-2331FD7FB447}">
-  <ds:schemaRefs>
-    <ds:schemaRef ds:uri="http://schemas.microsoft.com/sharepoint/v3/contenttype/forms"/>
-  </ds:schemaRefs>
-</ds:datastoreItem>
 </file>